--- a/External/Documentation/Mid-pointPresFinal.pptx
+++ b/External/Documentation/Mid-pointPresFinal.pptx
@@ -282,7 +282,7 @@
           <a:effectLst/>
           <a:extLst>
             <a:ext uri="{91240B29-F687-4f45-9708-019B960494DF}">
-              <a14:hiddenLine xmlns:a14="http://schemas.microsoft.com/office/drawing/2010/main" xmlns="" w="9525">
+              <a14:hiddenLine xmlns="" xmlns:a14="http://schemas.microsoft.com/office/drawing/2010/main" w="9525">
                 <a:solidFill>
                   <a:srgbClr val="000000"/>
                 </a:solidFill>
@@ -476,7 +476,7 @@
             <a:fld id="{A37D6D71-8B28-4ED6-B932-04B197003D23}" type="datetimeFigureOut">
               <a:rPr lang="en-US" smtClean="0"/>
               <a:pPr algn="r"/>
-              <a:t>3/7/2023</a:t>
+              <a:t>3/8/2023</a:t>
             </a:fld>
             <a:endParaRPr lang="en-US"/>
           </a:p>
@@ -802,7 +802,7 @@
             <a:fld id="{A37D6D71-8B28-4ED6-B932-04B197003D23}" type="datetimeFigureOut">
               <a:rPr lang="en-US" smtClean="0"/>
               <a:pPr algn="r"/>
-              <a:t>3/7/2023</a:t>
+              <a:t>3/8/2023</a:t>
             </a:fld>
             <a:endParaRPr lang="en-US" spc="50"/>
           </a:p>
@@ -1294,7 +1294,7 @@
             <a:fld id="{A37D6D71-8B28-4ED6-B932-04B197003D23}" type="datetimeFigureOut">
               <a:rPr lang="en-US" smtClean="0"/>
               <a:pPr algn="r"/>
-              <a:t>3/7/2023</a:t>
+              <a:t>3/8/2023</a:t>
             </a:fld>
             <a:endParaRPr lang="en-US" spc="50"/>
           </a:p>
@@ -1667,7 +1667,7 @@
             <a:fld id="{A37D6D71-8B28-4ED6-B932-04B197003D23}" type="datetimeFigureOut">
               <a:rPr lang="en-US" smtClean="0"/>
               <a:pPr algn="r"/>
-              <a:t>3/7/2023</a:t>
+              <a:t>3/8/2023</a:t>
             </a:fld>
             <a:endParaRPr lang="en-US" spc="50"/>
           </a:p>
@@ -1824,7 +1824,7 @@
           <a:ln/>
           <a:extLst>
             <a:ext uri="{91240B29-F687-4f45-9708-019B960494DF}">
-              <a14:hiddenLine xmlns:a14="http://schemas.microsoft.com/office/drawing/2010/main" xmlns="" w="9525">
+              <a14:hiddenLine xmlns="" xmlns:a14="http://schemas.microsoft.com/office/drawing/2010/main" w="9525">
                 <a:solidFill>
                   <a:srgbClr val="000000"/>
                 </a:solidFill>
@@ -1944,7 +1944,7 @@
             <a:fld id="{A37D6D71-8B28-4ED6-B932-04B197003D23}" type="datetimeFigureOut">
               <a:rPr lang="en-US" smtClean="0"/>
               <a:pPr algn="r"/>
-              <a:t>3/7/2023</a:t>
+              <a:t>3/8/2023</a:t>
             </a:fld>
             <a:endParaRPr lang="en-US"/>
           </a:p>
@@ -2107,7 +2107,7 @@
           <a:ln/>
           <a:extLst>
             <a:ext uri="{91240B29-F687-4f45-9708-019B960494DF}">
-              <a14:hiddenLine xmlns:a14="http://schemas.microsoft.com/office/drawing/2010/main" xmlns="" w="9525">
+              <a14:hiddenLine xmlns="" xmlns:a14="http://schemas.microsoft.com/office/drawing/2010/main" w="9525">
                 <a:solidFill>
                   <a:srgbClr val="000000"/>
                 </a:solidFill>
@@ -2237,7 +2237,7 @@
             <a:fld id="{A37D6D71-8B28-4ED6-B932-04B197003D23}" type="datetimeFigureOut">
               <a:rPr lang="en-US" smtClean="0"/>
               <a:pPr algn="r"/>
-              <a:t>3/7/2023</a:t>
+              <a:t>3/8/2023</a:t>
             </a:fld>
             <a:endParaRPr lang="en-US"/>
           </a:p>
@@ -2398,7 +2398,7 @@
           <a:ln/>
           <a:extLst>
             <a:ext uri="{91240B29-F687-4f45-9708-019B960494DF}">
-              <a14:hiddenLine xmlns:a14="http://schemas.microsoft.com/office/drawing/2010/main" xmlns="" w="9525">
+              <a14:hiddenLine xmlns="" xmlns:a14="http://schemas.microsoft.com/office/drawing/2010/main" w="9525">
                 <a:solidFill>
                   <a:srgbClr val="000000"/>
                 </a:solidFill>
@@ -2528,7 +2528,7 @@
             <a:fld id="{A37D6D71-8B28-4ED6-B932-04B197003D23}" type="datetimeFigureOut">
               <a:rPr lang="en-US" smtClean="0"/>
               <a:pPr algn="r"/>
-              <a:t>3/7/2023</a:t>
+              <a:t>3/8/2023</a:t>
             </a:fld>
             <a:endParaRPr lang="en-US"/>
           </a:p>
@@ -2879,7 +2879,7 @@
             <a:fld id="{A37D6D71-8B28-4ED6-B932-04B197003D23}" type="datetimeFigureOut">
               <a:rPr lang="en-US" smtClean="0"/>
               <a:pPr algn="r"/>
-              <a:t>3/7/2023</a:t>
+              <a:t>3/8/2023</a:t>
             </a:fld>
             <a:endParaRPr lang="en-US"/>
           </a:p>
@@ -3040,7 +3040,7 @@
           <a:ln/>
           <a:extLst>
             <a:ext uri="{91240B29-F687-4f45-9708-019B960494DF}">
-              <a14:hiddenLine xmlns:a14="http://schemas.microsoft.com/office/drawing/2010/main" xmlns="" w="9525">
+              <a14:hiddenLine xmlns="" xmlns:a14="http://schemas.microsoft.com/office/drawing/2010/main" w="9525">
                 <a:solidFill>
                   <a:srgbClr val="000000"/>
                 </a:solidFill>
@@ -3226,7 +3226,7 @@
             <a:fld id="{A37D6D71-8B28-4ED6-B932-04B197003D23}" type="datetimeFigureOut">
               <a:rPr lang="en-US" smtClean="0"/>
               <a:pPr algn="r"/>
-              <a:t>3/7/2023</a:t>
+              <a:t>3/8/2023</a:t>
             </a:fld>
             <a:endParaRPr lang="en-US"/>
           </a:p>
@@ -3387,7 +3387,7 @@
           <a:ln/>
           <a:extLst>
             <a:ext uri="{91240B29-F687-4f45-9708-019B960494DF}">
-              <a14:hiddenLine xmlns:a14="http://schemas.microsoft.com/office/drawing/2010/main" xmlns="" w="9525">
+              <a14:hiddenLine xmlns="" xmlns:a14="http://schemas.microsoft.com/office/drawing/2010/main" w="9525">
                 <a:solidFill>
                   <a:srgbClr val="000000"/>
                 </a:solidFill>
@@ -3711,7 +3711,7 @@
             <a:fld id="{A37D6D71-8B28-4ED6-B932-04B197003D23}" type="datetimeFigureOut">
               <a:rPr lang="en-US" smtClean="0"/>
               <a:pPr algn="r"/>
-              <a:t>3/7/2023</a:t>
+              <a:t>3/8/2023</a:t>
             </a:fld>
             <a:endParaRPr lang="en-US"/>
           </a:p>
@@ -3872,7 +3872,7 @@
           <a:ln/>
           <a:extLst>
             <a:ext uri="{91240B29-F687-4f45-9708-019B960494DF}">
-              <a14:hiddenLine xmlns:a14="http://schemas.microsoft.com/office/drawing/2010/main" xmlns="" w="9525">
+              <a14:hiddenLine xmlns="" xmlns:a14="http://schemas.microsoft.com/office/drawing/2010/main" w="9525">
                 <a:solidFill>
                   <a:srgbClr val="000000"/>
                 </a:solidFill>
@@ -3940,7 +3940,7 @@
             <a:fld id="{A37D6D71-8B28-4ED6-B932-04B197003D23}" type="datetimeFigureOut">
               <a:rPr lang="en-US" smtClean="0"/>
               <a:pPr algn="r"/>
-              <a:t>3/7/2023</a:t>
+              <a:t>3/8/2023</a:t>
             </a:fld>
             <a:endParaRPr lang="en-US"/>
           </a:p>
@@ -4043,7 +4043,7 @@
             <a:fld id="{A37D6D71-8B28-4ED6-B932-04B197003D23}" type="datetimeFigureOut">
               <a:rPr lang="en-US" smtClean="0"/>
               <a:pPr algn="r"/>
-              <a:t>3/7/2023</a:t>
+              <a:t>3/8/2023</a:t>
             </a:fld>
             <a:endParaRPr lang="en-US"/>
           </a:p>
@@ -4317,7 +4317,7 @@
           <a:ln/>
           <a:extLst>
             <a:ext uri="{91240B29-F687-4f45-9708-019B960494DF}">
-              <a14:hiddenLine xmlns:a14="http://schemas.microsoft.com/office/drawing/2010/main" xmlns="" w="9525">
+              <a14:hiddenLine xmlns="" xmlns:a14="http://schemas.microsoft.com/office/drawing/2010/main" w="9525">
                 <a:solidFill>
                   <a:srgbClr val="000000"/>
                 </a:solidFill>
@@ -4518,7 +4518,7 @@
             <a:fld id="{A37D6D71-8B28-4ED6-B932-04B197003D23}" type="datetimeFigureOut">
               <a:rPr lang="en-US" smtClean="0"/>
               <a:pPr algn="r"/>
-              <a:t>3/7/2023</a:t>
+              <a:t>3/8/2023</a:t>
             </a:fld>
             <a:endParaRPr lang="en-US"/>
           </a:p>
@@ -4839,7 +4839,7 @@
             <a:fld id="{A37D6D71-8B28-4ED6-B932-04B197003D23}" type="datetimeFigureOut">
               <a:rPr lang="en-US" smtClean="0"/>
               <a:pPr algn="r"/>
-              <a:t>3/7/2023</a:t>
+              <a:t>3/8/2023</a:t>
             </a:fld>
             <a:endParaRPr lang="en-US" spc="50"/>
           </a:p>
@@ -5113,7 +5113,7 @@
             <a:fld id="{A37D6D71-8B28-4ED6-B932-04B197003D23}" type="datetimeFigureOut">
               <a:rPr lang="en-US" smtClean="0"/>
               <a:pPr algn="r"/>
-              <a:t>3/7/2023</a:t>
+              <a:t>3/8/2023</a:t>
             </a:fld>
             <a:endParaRPr lang="en-US" spc="50"/>
           </a:p>
@@ -6207,7 +6207,7 @@
           <a:effectLst/>
           <a:extLst>
             <a:ext uri="{91240B29-F687-4f45-9708-019B960494DF}">
-              <a14:hiddenLine xmlns="" xmlns:a14="http://schemas.microsoft.com/office/drawing/2010/main" xmlns:p14="http://schemas.microsoft.com/office/powerpoint/2010/main" xmlns:a16="http://schemas.microsoft.com/office/drawing/2014/main" w="9525">
+              <a14:hiddenLine xmlns:a16="http://schemas.microsoft.com/office/drawing/2014/main" xmlns:p14="http://schemas.microsoft.com/office/powerpoint/2010/main" xmlns:a14="http://schemas.microsoft.com/office/drawing/2010/main" xmlns="" w="9525">
                 <a:solidFill>
                   <a:srgbClr val="000000"/>
                 </a:solidFill>
@@ -6901,7 +6901,7 @@
           <a:effectLst/>
           <a:extLst>
             <a:ext uri="{91240B29-F687-4f45-9708-019B960494DF}">
-              <a14:hiddenLine xmlns="" xmlns:a14="http://schemas.microsoft.com/office/drawing/2010/main" xmlns:p14="http://schemas.microsoft.com/office/powerpoint/2010/main" xmlns:a16="http://schemas.microsoft.com/office/drawing/2014/main" w="9525">
+              <a14:hiddenLine xmlns:a16="http://schemas.microsoft.com/office/drawing/2014/main" xmlns:p14="http://schemas.microsoft.com/office/powerpoint/2010/main" xmlns:a14="http://schemas.microsoft.com/office/drawing/2010/main" xmlns="" w="9525">
                 <a:solidFill>
                   <a:srgbClr val="000000"/>
                 </a:solidFill>
@@ -7144,27 +7144,24 @@
           <a:p>
             <a:r>
               <a:rPr lang="en-IE" sz="1600" dirty="0"/>
-              <a:t>VR Headsets (To play the game)</a:t>
-            </a:r>
+              <a:t>Unity, the game engine our game is </a:t>
+            </a:r>
+            <a:r>
+              <a:rPr lang="en-IE" sz="1600"/>
+              <a:t>made with</a:t>
+            </a:r>
+            <a:endParaRPr lang="en-IE" sz="1600" dirty="0"/>
           </a:p>
           <a:p>
             <a:r>
               <a:rPr lang="en-IE" sz="1600" dirty="0"/>
-              <a:t>C#(</a:t>
-            </a:r>
-            <a:r>
-              <a:rPr lang="en-IE" sz="1600" dirty="0" err="1"/>
-              <a:t>Csharp</a:t>
-            </a:r>
+              <a:t>C#, the programming language used to create Unity games</a:t>
+            </a:r>
+          </a:p>
+          <a:p>
             <a:r>
               <a:rPr lang="en-IE" sz="1600" dirty="0"/>
-              <a:t> for the coding of the game)</a:t>
-            </a:r>
-          </a:p>
-          <a:p>
-            <a:r>
-              <a:rPr lang="en-IE" sz="1600" dirty="0"/>
-              <a:t>Unity(For the making of the game scenes, importing objects, overall look)</a:t>
+              <a:t>Head-Mounted Displays (HMDs), the target hardware</a:t>
             </a:r>
           </a:p>
           <a:p>
@@ -7174,38 +7171,35 @@
             </a:r>
             <a:r>
               <a:rPr lang="en-IE" sz="1600" dirty="0"/>
-              <a:t>(Used for creating objects within the game)</a:t>
-            </a:r>
-          </a:p>
-          <a:p>
+              <a:t>, a voxel modelling software used for most in-game models</a:t>
+            </a:r>
+          </a:p>
+          <a:p>
+            <a:r>
+              <a:rPr lang="en-IE" sz="1600" dirty="0"/>
+              <a:t>Blender, a general-use modelling software used to animate a select few models</a:t>
+            </a:r>
+          </a:p>
+          <a:p>
+            <a:r>
+              <a:rPr lang="en-IE" sz="1600" dirty="0"/>
+              <a:t>Git and </a:t>
+            </a:r>
             <a:r>
               <a:rPr lang="en-IE" sz="1600" dirty="0" err="1"/>
               <a:t>Github</a:t>
             </a:r>
             <a:r>
               <a:rPr lang="en-IE" sz="1600" dirty="0"/>
-              <a:t>(For sharing and editing files between the group members)</a:t>
-            </a:r>
-          </a:p>
-          <a:p>
-            <a:r>
+              <a:t>, the Version Control system used for file </a:t>
+            </a:r>
+            <a:br>
               <a:rPr lang="en-IE" sz="1600" dirty="0"/>
-              <a:t>Word(Writing up files such as the specification requirements)</a:t>
-            </a:r>
-          </a:p>
-          <a:p>
+            </a:br>
             <a:r>
               <a:rPr lang="en-IE" sz="1600" dirty="0"/>
-              <a:t>PowerPoint(For creating our mid-point and final presentations)</a:t>
-            </a:r>
-          </a:p>
-          <a:p>
-            <a:r>
-              <a:rPr lang="en-IE" sz="1600" dirty="0"/>
-              <a:t>Visual Studio Code(Text editor used for code)</a:t>
-            </a:r>
-          </a:p>
-          <a:p>
+              <a:t>management between team members</a:t>
+            </a:r>
             <a:endParaRPr lang="en-US" dirty="0"/>
           </a:p>
         </p:txBody>
@@ -7381,7 +7375,12 @@
             <p:ph idx="1"/>
           </p:nvPr>
         </p:nvSpPr>
-        <p:spPr/>
+        <p:spPr>
+          <a:xfrm>
+            <a:off x="818712" y="2222288"/>
+            <a:ext cx="10554574" cy="3388400"/>
+          </a:xfrm>
+        </p:spPr>
         <p:txBody>
           <a:bodyPr>
             <a:normAutofit/>
@@ -7390,21 +7389,28 @@
           <a:p>
             <a:r>
               <a:rPr lang="en-GB" sz="1600" dirty="0"/>
-              <a:t>Up to this point we have managed to </a:t>
-            </a:r>
-            <a:r>
-              <a:rPr lang="en-GB" sz="1600"/>
-              <a:t>do…</a:t>
-            </a:r>
-          </a:p>
-          <a:p>
-            <a:endParaRPr lang="en-GB" sz="1600" dirty="0"/>
-          </a:p>
-          <a:p>
-            <a:endParaRPr lang="en-GB" sz="1600" dirty="0"/>
-          </a:p>
-          <a:p>
-            <a:endParaRPr lang="en-IE" sz="1600" dirty="0"/>
+              <a:t>We currently have the code for 3 Appliances, a system for moving appliances around the </a:t>
+            </a:r>
+            <a:r>
+              <a:rPr lang="en-GB" sz="1600" dirty="0" err="1"/>
+              <a:t>resteraunt</a:t>
+            </a:r>
+            <a:r>
+              <a:rPr lang="en-GB" sz="1600" dirty="0"/>
+              <a:t>, a system for defining food items and how they can be combined, and the groundwork for customer AI.</a:t>
+            </a:r>
+          </a:p>
+          <a:p>
+            <a:r>
+              <a:rPr lang="en-GB" sz="1600" dirty="0"/>
+              <a:t>The AI will be improved to allow for multiple ways to take an order, dynamically order food based on what the restraint serves, as well as reward the player based on how quickly they were served</a:t>
+            </a:r>
+          </a:p>
+          <a:p>
+            <a:r>
+              <a:rPr lang="en-GB" sz="1600" dirty="0"/>
+              <a:t>The gameplay will be split into 2 phases, Renovation and Dining. Appliances will only be purchasable and movable in the Renovation phase, and everything except Appliance movement/purchasing will happen during the dining phase.</a:t>
+            </a:r>
           </a:p>
         </p:txBody>
       </p:sp>

--- a/External/Documentation/Mid-pointPresFinal.pptx
+++ b/External/Documentation/Mid-pointPresFinal.pptx
@@ -122,7 +122,7 @@
 <file path=ppt/revisionInfo.xml><?xml version="1.0" encoding="utf-8"?>
 <p1510:revInfo xmlns:a="http://schemas.openxmlformats.org/drawingml/2006/main" xmlns:r="http://schemas.openxmlformats.org/officeDocument/2006/relationships" xmlns:p1510="http://schemas.microsoft.com/office/powerpoint/2015/10/main">
   <p1510:revLst>
-    <p1510:client id="{5DAAB52E-5142-4A9C-A82E-626202919B26}" v="8" dt="2023-03-07T14:19:47.660"/>
+    <p1510:client id="{5DAAB52E-5142-4A9C-A82E-626202919B26}" v="14" dt="2023-03-08T09:01:13.624"/>
   </p1510:revLst>
 </p1510:revInfo>
 </file>
@@ -131,11 +131,26 @@
 <pc:chgInfo xmlns:a="http://schemas.openxmlformats.org/drawingml/2006/main" xmlns:r="http://schemas.openxmlformats.org/officeDocument/2006/relationships" xmlns:ac="http://schemas.microsoft.com/office/drawing/2013/main/command" xmlns:pc="http://schemas.microsoft.com/office/powerpoint/2013/main/command">
   <pc:docChgLst>
     <pc:chgData name="Karl Miller" userId="99e1c86748a52d01" providerId="LiveId" clId="{5DAAB52E-5142-4A9C-A82E-626202919B26}"/>
-    <pc:docChg chg="modSld">
-      <pc:chgData name="Karl Miller" userId="99e1c86748a52d01" providerId="LiveId" clId="{5DAAB52E-5142-4A9C-A82E-626202919B26}" dt="2023-03-07T14:39:40.220" v="34" actId="20577"/>
+    <pc:docChg chg="custSel modSld">
+      <pc:chgData name="Karl Miller" userId="99e1c86748a52d01" providerId="LiveId" clId="{5DAAB52E-5142-4A9C-A82E-626202919B26}" dt="2023-03-08T09:05:04.663" v="88" actId="20577"/>
       <pc:docMkLst>
         <pc:docMk/>
       </pc:docMkLst>
+      <pc:sldChg chg="modSp mod">
+        <pc:chgData name="Karl Miller" userId="99e1c86748a52d01" providerId="LiveId" clId="{5DAAB52E-5142-4A9C-A82E-626202919B26}" dt="2023-03-08T09:05:04.663" v="88" actId="20577"/>
+        <pc:sldMkLst>
+          <pc:docMk/>
+          <pc:sldMk cId="2044455265" sldId="258"/>
+        </pc:sldMkLst>
+        <pc:spChg chg="mod">
+          <ac:chgData name="Karl Miller" userId="99e1c86748a52d01" providerId="LiveId" clId="{5DAAB52E-5142-4A9C-A82E-626202919B26}" dt="2023-03-08T09:05:04.663" v="88" actId="20577"/>
+          <ac:spMkLst>
+            <pc:docMk/>
+            <pc:sldMk cId="2044455265" sldId="258"/>
+            <ac:spMk id="3" creationId="{1F21CE38-F326-9230-6174-0630D0923D59}"/>
+          </ac:spMkLst>
+        </pc:spChg>
+      </pc:sldChg>
       <pc:sldChg chg="addSp delSp modSp">
         <pc:chgData name="Karl Miller" userId="99e1c86748a52d01" providerId="LiveId" clId="{5DAAB52E-5142-4A9C-A82E-626202919B26}" dt="2023-03-07T14:19:47.657" v="8" actId="1076"/>
         <pc:sldMkLst>
@@ -179,6 +194,29 @@
             <pc:docMk/>
             <pc:sldMk cId="1753628037" sldId="260"/>
             <ac:spMk id="3" creationId="{DE4D419B-83D7-C994-8DF6-8C5B2DDA47D4}"/>
+          </ac:spMkLst>
+        </pc:spChg>
+      </pc:sldChg>
+      <pc:sldChg chg="addSp delSp modSp">
+        <pc:chgData name="Karl Miller" userId="99e1c86748a52d01" providerId="LiveId" clId="{5DAAB52E-5142-4A9C-A82E-626202919B26}" dt="2023-03-08T09:01:13.624" v="41"/>
+        <pc:sldMkLst>
+          <pc:docMk/>
+          <pc:sldMk cId="626750041" sldId="262"/>
+        </pc:sldMkLst>
+        <pc:spChg chg="add del mod">
+          <ac:chgData name="Karl Miller" userId="99e1c86748a52d01" providerId="LiveId" clId="{5DAAB52E-5142-4A9C-A82E-626202919B26}" dt="2023-03-08T09:01:03.569" v="39"/>
+          <ac:spMkLst>
+            <pc:docMk/>
+            <pc:sldMk cId="626750041" sldId="262"/>
+            <ac:spMk id="4" creationId="{6CAE58B7-DD98-7223-AF0A-1A53E93D0217}"/>
+          </ac:spMkLst>
+        </pc:spChg>
+        <pc:spChg chg="add del">
+          <ac:chgData name="Karl Miller" userId="99e1c86748a52d01" providerId="LiveId" clId="{5DAAB52E-5142-4A9C-A82E-626202919B26}" dt="2023-03-08T09:01:13.624" v="41"/>
+          <ac:spMkLst>
+            <pc:docMk/>
+            <pc:sldMk cId="626750041" sldId="262"/>
+            <ac:spMk id="5" creationId="{8514665F-D24B-8D48-B374-F01A2FBF1B61}"/>
           </ac:spMkLst>
         </pc:spChg>
       </pc:sldChg>
@@ -6998,8 +7036,8 @@
               </a:lnSpc>
             </a:pPr>
             <a:r>
-              <a:rPr lang="en-US" sz="1700"/>
-              <a:t>:Initially we release the game on Steam, Along with a free trial so people can try the game and see if they want to buy it.</a:t>
+              <a:rPr lang="en-US" sz="1700" dirty="0"/>
+              <a:t>:Initially we will release the game on Steam, Along with a free trial so people can try the game and see if they want to buy it.</a:t>
             </a:r>
           </a:p>
           <a:p>
@@ -7009,8 +7047,8 @@
               </a:lnSpc>
             </a:pPr>
             <a:r>
-              <a:rPr lang="en-US" sz="1700"/>
-              <a:t>:If sales are to a satisfactory degree we can also push the game onto other platforms such as PlayStation and Xbox.</a:t>
+              <a:rPr lang="en-US" sz="1700" dirty="0"/>
+              <a:t>:If sales are to a satisfactory degree, we can also push the game onto other platforms such as PlayStation and Xbox.</a:t>
             </a:r>
           </a:p>
           <a:p>
@@ -7020,9 +7058,14 @@
               </a:lnSpc>
             </a:pPr>
             <a:r>
+              <a:rPr lang="en-US" sz="1700" dirty="0"/>
+              <a:t>:In the future we can have Downloadable content for our game and In game timed events for specific dishes themed around said time like Christmas </a:t>
+            </a:r>
+            <a:r>
               <a:rPr lang="en-US" sz="1700"/>
-              <a:t>:In the future we can have Downloadable content for our game and In game timed events for specific dishes themed around said time like Christmas can have turkey etc.</a:t>
-            </a:r>
+              <a:t>you can cook turkey.</a:t>
+            </a:r>
+            <a:endParaRPr lang="en-US" sz="1700" dirty="0"/>
           </a:p>
           <a:p>
             <a:pPr>
@@ -7031,7 +7074,7 @@
               </a:lnSpc>
             </a:pPr>
             <a:r>
-              <a:rPr lang="en-US" sz="1700"/>
+              <a:rPr lang="en-US" sz="1700" dirty="0"/>
               <a:t>:Selling a special collectors bundle that could contain the game, A specialized artbook, and a download code for the soundtrack along with some special cosmetics for your kitchen.</a:t>
             </a:r>
           </a:p>
@@ -7042,7 +7085,7 @@
               </a:lnSpc>
             </a:pPr>
             <a:r>
-              <a:rPr lang="en-US" sz="1700"/>
+              <a:rPr lang="en-US" sz="1700" dirty="0"/>
               <a:t>:Possibly for the future we can make more kitchen layouts and paid cosmetics for changing the style of your kitchen.</a:t>
             </a:r>
           </a:p>
